--- a/notes/notes/ds-algo/ch10-str-match.pptx
+++ b/notes/notes/ds-algo/ch10-str-match.pptx
@@ -217,7 +217,7 @@
           <a:p>
             <a:fld id="{9BFDADED-620D-D24E-82E2-96F000A12D1D}" type="datetimeFigureOut">
               <a:rPr lang="en-CN" smtClean="0"/>
-              <a:t>2024/1/24</a:t>
+              <a:t>2024/1/26</a:t>
             </a:fld>
             <a:endParaRPr lang="en-CN"/>
           </a:p>
@@ -888,6 +888,53 @@
           </a:p>
         </p:txBody>
       </p:sp>
+      <p:pic>
+        <p:nvPicPr>
+          <p:cNvPr id="9" name="Picture 2">
+            <a:extLst>
+              <a:ext uri="{FF2B5EF4-FFF2-40B4-BE49-F238E27FC236}">
+                <a16:creationId xmlns:a16="http://schemas.microsoft.com/office/drawing/2014/main" id="{CBC90321-48F9-BA21-8A4C-5C6A32C1484A}"/>
+              </a:ext>
+            </a:extLst>
+          </p:cNvPr>
+          <p:cNvPicPr>
+            <a:picLocks noChangeAspect="1" noChangeArrowheads="1"/>
+          </p:cNvPicPr>
+          <p:nvPr userDrawn="1"/>
+        </p:nvPicPr>
+        <p:blipFill>
+          <a:blip r:embed="rId2">
+            <a:extLst>
+              <a:ext uri="{28A0092B-C50C-407E-A947-70E740481C1C}">
+                <a14:useLocalDpi xmlns:a14="http://schemas.microsoft.com/office/drawing/2010/main" val="0"/>
+              </a:ext>
+            </a:extLst>
+          </a:blip>
+          <a:srcRect/>
+          <a:stretch>
+            <a:fillRect/>
+          </a:stretch>
+        </p:blipFill>
+        <p:spPr bwMode="auto">
+          <a:xfrm>
+            <a:off x="8244520" y="0"/>
+            <a:ext cx="899480" cy="168442"/>
+          </a:xfrm>
+          <a:prstGeom prst="rect">
+            <a:avLst/>
+          </a:prstGeom>
+          <a:noFill/>
+          <a:extLst>
+            <a:ext uri="{909E8E84-426E-40DD-AFC4-6F175D3DCCD1}">
+              <a14:hiddenFill xmlns:a14="http://schemas.microsoft.com/office/drawing/2010/main">
+                <a:solidFill>
+                  <a:srgbClr val="FFFFFF"/>
+                </a:solidFill>
+              </a14:hiddenFill>
+            </a:ext>
+          </a:extLst>
+        </p:spPr>
+      </p:pic>
     </p:spTree>
     <p:extLst>
       <p:ext uri="{BB962C8B-B14F-4D97-AF65-F5344CB8AC3E}">
@@ -1790,7 +1837,7 @@
           <a:p>
             <a:fld id="{58D30FAB-176C-8449-8796-69F8D9C85B57}" type="datetime1">
               <a:rPr lang="en-US" smtClean="0"/>
-              <a:t>1/24/24</a:t>
+              <a:t>1/26/24</a:t>
             </a:fld>
             <a:endParaRPr lang="en-CN"/>
           </a:p>
@@ -3191,8 +3238,8 @@
           </a:p>
         </p:txBody>
       </p:sp>
-      <mc:AlternateContent xmlns:mc="http://schemas.openxmlformats.org/markup-compatibility/2006">
-        <mc:Choice xmlns:a14="http://schemas.microsoft.com/office/drawing/2010/main" Requires="a14">
+      <mc:AlternateContent xmlns:mc="http://schemas.openxmlformats.org/markup-compatibility/2006" xmlns:a14="http://schemas.microsoft.com/office/drawing/2010/main">
+        <mc:Choice Requires="a14">
           <p:sp>
             <p:nvSpPr>
               <p:cNvPr id="10" name="TextBox 9">
@@ -3360,7 +3407,7 @@
             </p:txBody>
           </p:sp>
         </mc:Choice>
-        <mc:Fallback>
+        <mc:Fallback xmlns="">
           <p:sp>
             <p:nvSpPr>
               <p:cNvPr id="10" name="TextBox 9">
@@ -4272,8 +4319,8 @@
           </a:prstGeom>
         </p:spPr>
       </p:pic>
-      <mc:AlternateContent xmlns:mc="http://schemas.openxmlformats.org/markup-compatibility/2006">
-        <mc:Choice xmlns:a14="http://schemas.microsoft.com/office/drawing/2010/main" Requires="a14">
+      <mc:AlternateContent xmlns:mc="http://schemas.openxmlformats.org/markup-compatibility/2006" xmlns:a14="http://schemas.microsoft.com/office/drawing/2010/main">
+        <mc:Choice Requires="a14">
           <p:sp>
             <p:nvSpPr>
               <p:cNvPr id="6" name="TextBox 5">
@@ -4539,7 +4586,7 @@
             </p:txBody>
           </p:sp>
         </mc:Choice>
-        <mc:Fallback>
+        <mc:Fallback xmlns="">
           <p:sp>
             <p:nvSpPr>
               <p:cNvPr id="6" name="TextBox 5">
@@ -4779,8 +4826,8 @@
           </a:prstGeom>
         </p:spPr>
       </p:pic>
-      <mc:AlternateContent xmlns:mc="http://schemas.openxmlformats.org/markup-compatibility/2006">
-        <mc:Choice xmlns:a14="http://schemas.microsoft.com/office/drawing/2010/main" Requires="a14">
+      <mc:AlternateContent xmlns:mc="http://schemas.openxmlformats.org/markup-compatibility/2006" xmlns:a14="http://schemas.microsoft.com/office/drawing/2010/main">
+        <mc:Choice Requires="a14">
           <p:sp>
             <p:nvSpPr>
               <p:cNvPr id="67" name="TextBox 66">
@@ -4874,7 +4921,7 @@
             </p:txBody>
           </p:sp>
         </mc:Choice>
-        <mc:Fallback>
+        <mc:Fallback xmlns="">
           <p:sp>
             <p:nvSpPr>
               <p:cNvPr id="67" name="TextBox 66">
@@ -5164,8 +5211,8 @@
           </a:p>
         </p:txBody>
       </p:sp>
-      <mc:AlternateContent xmlns:mc="http://schemas.openxmlformats.org/markup-compatibility/2006">
-        <mc:Choice xmlns:a14="http://schemas.microsoft.com/office/drawing/2010/main" Requires="a14">
+      <mc:AlternateContent xmlns:mc="http://schemas.openxmlformats.org/markup-compatibility/2006" xmlns:a14="http://schemas.microsoft.com/office/drawing/2010/main">
+        <mc:Choice Requires="a14">
           <p:sp>
             <p:nvSpPr>
               <p:cNvPr id="5" name="TextBox 4">
@@ -5291,7 +5338,7 @@
             </p:txBody>
           </p:sp>
         </mc:Choice>
-        <mc:Fallback>
+        <mc:Fallback xmlns="">
           <p:sp>
             <p:nvSpPr>
               <p:cNvPr id="5" name="TextBox 4">
@@ -6441,8 +6488,8 @@
           </a:prstGeom>
         </p:spPr>
       </p:pic>
-      <mc:AlternateContent xmlns:mc="http://schemas.openxmlformats.org/markup-compatibility/2006">
-        <mc:Choice xmlns:a14="http://schemas.microsoft.com/office/drawing/2010/main" Requires="a14">
+      <mc:AlternateContent xmlns:mc="http://schemas.openxmlformats.org/markup-compatibility/2006" xmlns:a14="http://schemas.microsoft.com/office/drawing/2010/main">
+        <mc:Choice Requires="a14">
           <p:sp>
             <p:nvSpPr>
               <p:cNvPr id="5" name="TextBox 4">
@@ -6767,7 +6814,7 @@
             </p:txBody>
           </p:sp>
         </mc:Choice>
-        <mc:Fallback>
+        <mc:Fallback xmlns="">
           <p:sp>
             <p:nvSpPr>
               <p:cNvPr id="5" name="TextBox 4">
@@ -7859,8 +7906,8 @@
           </a:p>
         </p:txBody>
       </p:sp>
-      <mc:AlternateContent xmlns:mc="http://schemas.openxmlformats.org/markup-compatibility/2006">
-        <mc:Choice xmlns:a14="http://schemas.microsoft.com/office/drawing/2010/main" Requires="a14">
+      <mc:AlternateContent xmlns:mc="http://schemas.openxmlformats.org/markup-compatibility/2006" xmlns:a14="http://schemas.microsoft.com/office/drawing/2010/main">
+        <mc:Choice Requires="a14">
           <p:sp>
             <p:nvSpPr>
               <p:cNvPr id="11" name="TextBox 10">
@@ -7917,7 +7964,7 @@
             </p:txBody>
           </p:sp>
         </mc:Choice>
-        <mc:Fallback>
+        <mc:Fallback xmlns="">
           <p:sp>
             <p:nvSpPr>
               <p:cNvPr id="11" name="TextBox 10">
@@ -7962,8 +8009,8 @@
           </p:sp>
         </mc:Fallback>
       </mc:AlternateContent>
-      <mc:AlternateContent xmlns:mc="http://schemas.openxmlformats.org/markup-compatibility/2006">
-        <mc:Choice xmlns:a14="http://schemas.microsoft.com/office/drawing/2010/main" Requires="a14">
+      <mc:AlternateContent xmlns:mc="http://schemas.openxmlformats.org/markup-compatibility/2006" xmlns:a14="http://schemas.microsoft.com/office/drawing/2010/main">
+        <mc:Choice Requires="a14">
           <p:sp>
             <p:nvSpPr>
               <p:cNvPr id="12" name="TextBox 11">
@@ -8020,7 +8067,7 @@
             </p:txBody>
           </p:sp>
         </mc:Choice>
-        <mc:Fallback>
+        <mc:Fallback xmlns="">
           <p:sp>
             <p:nvSpPr>
               <p:cNvPr id="12" name="TextBox 11">
@@ -9150,8 +9197,8 @@
           </a:p>
         </p:txBody>
       </p:sp>
-      <mc:AlternateContent xmlns:mc="http://schemas.openxmlformats.org/markup-compatibility/2006">
-        <mc:Choice xmlns:a14="http://schemas.microsoft.com/office/drawing/2010/main" Requires="a14">
+      <mc:AlternateContent xmlns:mc="http://schemas.openxmlformats.org/markup-compatibility/2006" xmlns:a14="http://schemas.microsoft.com/office/drawing/2010/main">
+        <mc:Choice Requires="a14">
           <p:sp>
             <p:nvSpPr>
               <p:cNvPr id="7" name="TextBox 6">
@@ -9284,7 +9331,7 @@
             </p:txBody>
           </p:sp>
         </mc:Choice>
-        <mc:Fallback>
+        <mc:Fallback xmlns="">
           <p:sp>
             <p:nvSpPr>
               <p:cNvPr id="7" name="TextBox 6">
@@ -13046,8 +13093,8 @@
           </a:prstGeom>
         </p:spPr>
       </p:pic>
-      <mc:AlternateContent xmlns:mc="http://schemas.openxmlformats.org/markup-compatibility/2006">
-        <mc:Choice xmlns:a14="http://schemas.microsoft.com/office/drawing/2010/main" Requires="a14">
+      <mc:AlternateContent xmlns:mc="http://schemas.openxmlformats.org/markup-compatibility/2006" xmlns:a14="http://schemas.microsoft.com/office/drawing/2010/main">
+        <mc:Choice Requires="a14">
           <p:sp>
             <p:nvSpPr>
               <p:cNvPr id="17" name="TextBox 16">
@@ -13677,7 +13724,7 @@
             </p:txBody>
           </p:sp>
         </mc:Choice>
-        <mc:Fallback>
+        <mc:Fallback xmlns="">
           <p:sp>
             <p:nvSpPr>
               <p:cNvPr id="17" name="TextBox 16">
@@ -14101,8 +14148,8 @@
           </a:p>
         </p:txBody>
       </p:sp>
-      <mc:AlternateContent xmlns:mc="http://schemas.openxmlformats.org/markup-compatibility/2006">
-        <mc:Choice xmlns:a14="http://schemas.microsoft.com/office/drawing/2010/main" Requires="a14">
+      <mc:AlternateContent xmlns:mc="http://schemas.openxmlformats.org/markup-compatibility/2006" xmlns:a14="http://schemas.microsoft.com/office/drawing/2010/main">
+        <mc:Choice Requires="a14">
           <p:sp>
             <p:nvSpPr>
               <p:cNvPr id="28" name="TextBox 27">
@@ -14152,7 +14199,7 @@
             </p:txBody>
           </p:sp>
         </mc:Choice>
-        <mc:Fallback>
+        <mc:Fallback xmlns="">
           <p:sp>
             <p:nvSpPr>
               <p:cNvPr id="28" name="TextBox 27">
